--- a/Powerpoint_CARET_Lodge.pptx
+++ b/Powerpoint_CARET_Lodge.pptx
@@ -241,7 +241,7 @@
           <a:p>
             <a:fld id="{C078A36D-924D-49CE-B9A3-AC1BAEF50371}" type="datetimeFigureOut">
               <a:rPr lang="en-US" smtClean="0"/>
-              <a:t>4/25/2019</a:t>
+              <a:t>4/28/2019</a:t>
             </a:fld>
             <a:endParaRPr lang="en-US"/>
           </a:p>
@@ -406,7 +406,7 @@
           <a:p>
             <a:fld id="{6E0FD80C-D01F-4000-9D16-3BF5D00DB788}" type="datetimeFigureOut">
               <a:rPr lang="en-US" smtClean="0"/>
-              <a:t>4/24/2019</a:t>
+              <a:t>4/28/2019</a:t>
             </a:fld>
             <a:endParaRPr lang="en-US"/>
           </a:p>
@@ -948,7 +948,7 @@
           <a:p>
             <a:fld id="{241EB5C9-1307-BA42-ABA2-0BC069CD8E7F}" type="datetimeFigureOut">
               <a:rPr lang="en-US" smtClean="0"/>
-              <a:t>4/24/2019</a:t>
+              <a:t>4/28/2019</a:t>
             </a:fld>
             <a:endParaRPr lang="en-US"/>
           </a:p>
@@ -1153,7 +1153,7 @@
           <a:p>
             <a:fld id="{241EB5C9-1307-BA42-ABA2-0BC069CD8E7F}" type="datetimeFigureOut">
               <a:rPr lang="en-US" smtClean="0"/>
-              <a:t>4/24/2019</a:t>
+              <a:t>4/28/2019</a:t>
             </a:fld>
             <a:endParaRPr lang="en-US"/>
           </a:p>
@@ -1333,7 +1333,7 @@
           <a:p>
             <a:fld id="{241EB5C9-1307-BA42-ABA2-0BC069CD8E7F}" type="datetimeFigureOut">
               <a:rPr lang="en-US" smtClean="0"/>
-              <a:t>4/24/2019</a:t>
+              <a:t>4/28/2019</a:t>
             </a:fld>
             <a:endParaRPr lang="en-US"/>
           </a:p>
@@ -1538,7 +1538,7 @@
           <a:p>
             <a:fld id="{241EB5C9-1307-BA42-ABA2-0BC069CD8E7F}" type="datetimeFigureOut">
               <a:rPr lang="en-US" smtClean="0"/>
-              <a:t>4/24/2019</a:t>
+              <a:t>4/28/2019</a:t>
             </a:fld>
             <a:endParaRPr lang="en-US"/>
           </a:p>
@@ -1833,7 +1833,7 @@
           <a:p>
             <a:fld id="{241EB5C9-1307-BA42-ABA2-0BC069CD8E7F}" type="datetimeFigureOut">
               <a:rPr lang="en-US" smtClean="0"/>
-              <a:t>4/24/2019</a:t>
+              <a:t>4/28/2019</a:t>
             </a:fld>
             <a:endParaRPr lang="en-US"/>
           </a:p>
@@ -2105,7 +2105,7 @@
           <a:p>
             <a:fld id="{241EB5C9-1307-BA42-ABA2-0BC069CD8E7F}" type="datetimeFigureOut">
               <a:rPr lang="en-US" smtClean="0"/>
-              <a:t>4/24/2019</a:t>
+              <a:t>4/28/2019</a:t>
             </a:fld>
             <a:endParaRPr lang="en-US"/>
           </a:p>
@@ -2512,7 +2512,7 @@
           <a:p>
             <a:fld id="{241EB5C9-1307-BA42-ABA2-0BC069CD8E7F}" type="datetimeFigureOut">
               <a:rPr lang="en-US" smtClean="0"/>
-              <a:t>4/24/2019</a:t>
+              <a:t>4/28/2019</a:t>
             </a:fld>
             <a:endParaRPr lang="en-US"/>
           </a:p>
@@ -2630,7 +2630,7 @@
           <a:p>
             <a:fld id="{241EB5C9-1307-BA42-ABA2-0BC069CD8E7F}" type="datetimeFigureOut">
               <a:rPr lang="en-US" smtClean="0"/>
-              <a:t>4/24/2019</a:t>
+              <a:t>4/28/2019</a:t>
             </a:fld>
             <a:endParaRPr lang="en-US"/>
           </a:p>
@@ -2725,7 +2725,7 @@
           <a:p>
             <a:fld id="{241EB5C9-1307-BA42-ABA2-0BC069CD8E7F}" type="datetimeFigureOut">
               <a:rPr lang="en-US" smtClean="0"/>
-              <a:t>4/24/2019</a:t>
+              <a:t>4/28/2019</a:t>
             </a:fld>
             <a:endParaRPr lang="en-US"/>
           </a:p>
@@ -3017,7 +3017,7 @@
           <a:p>
             <a:fld id="{241EB5C9-1307-BA42-ABA2-0BC069CD8E7F}" type="datetimeFigureOut">
               <a:rPr lang="en-US" smtClean="0"/>
-              <a:t>4/24/2019</a:t>
+              <a:t>4/28/2019</a:t>
             </a:fld>
             <a:endParaRPr lang="en-US"/>
           </a:p>
@@ -3297,7 +3297,7 @@
           <a:p>
             <a:fld id="{241EB5C9-1307-BA42-ABA2-0BC069CD8E7F}" type="datetimeFigureOut">
               <a:rPr lang="en-US" smtClean="0"/>
-              <a:t>4/24/2019</a:t>
+              <a:t>4/28/2019</a:t>
             </a:fld>
             <a:endParaRPr lang="en-US"/>
           </a:p>
@@ -3547,7 +3547,7 @@
           <a:p>
             <a:fld id="{241EB5C9-1307-BA42-ABA2-0BC069CD8E7F}" type="datetimeFigureOut">
               <a:rPr lang="en-US" smtClean="0"/>
-              <a:t>4/24/2019</a:t>
+              <a:t>4/28/2019</a:t>
             </a:fld>
             <a:endParaRPr lang="en-US"/>
           </a:p>
@@ -4317,11 +4317,7 @@
             </a:r>
             <a:r>
               <a:rPr lang="en-US" dirty="0" smtClean="0"/>
-              <a:t>for</a:t>
-            </a:r>
-            <a:r>
-              <a:rPr lang="en-US" dirty="0" smtClean="0"/>
-              <a:t> classification problems</a:t>
+              <a:t>for classification problems</a:t>
             </a:r>
             <a:r>
               <a:rPr dirty="0" smtClean="0"/>
@@ -4769,15 +4765,7 @@
             </a:r>
             <a:r>
               <a:rPr lang="en-US" sz="2600" dirty="0" smtClean="0"/>
-              <a:t> Imagine if you were to only have these data points, it would be hard to pick out a </a:t>
-            </a:r>
-            <a:r>
-              <a:rPr lang="en-US" sz="2600" dirty="0" smtClean="0"/>
-              <a:t>functional signal </a:t>
-            </a:r>
-            <a:r>
-              <a:rPr lang="en-US" sz="2600" dirty="0" smtClean="0"/>
-              <a:t>for your model!  </a:t>
+              <a:t> Imagine if you were to only have these data points, it would be hard to pick out a functional signal for your model!  </a:t>
             </a:r>
           </a:p>
           <a:p>
@@ -5015,9 +5003,6 @@
 ## [18]  58  59  61  64  65  66  67  68  69  70  71  72  73  75  76  77 103
 ## [35] 104</a:t>
             </a:r>
-            <a:endParaRPr lang="en-US" dirty="0">
-              <a:latin typeface="Courier"/>
-            </a:endParaRPr>
           </a:p>
         </p:txBody>
       </p:sp>
@@ -5999,11 +5984,7 @@
             </a:r>
             <a:r>
               <a:rPr lang="en-US" dirty="0" smtClean="0"/>
-              <a:t>.  </a:t>
-            </a:r>
-            <a:r>
-              <a:rPr lang="en-US" dirty="0" smtClean="0"/>
-              <a:t>You do not need to understand it for the purposes of this presentation, but you should know that </a:t>
+              <a:t>.  You do not need to understand it for the purposes of this presentation, but you should know that </a:t>
             </a:r>
             <a:r>
               <a:rPr lang="en-US" dirty="0" err="1" smtClean="0">
@@ -6311,11 +6292,7 @@
             </a:r>
             <a:r>
               <a:rPr lang="en-US" dirty="0" smtClean="0"/>
-              <a:t> tuni</a:t>
-            </a:r>
-            <a:r>
-              <a:rPr lang="en-US" dirty="0" smtClean="0"/>
-              <a:t>ng).   This is the function where your model gets trained.</a:t>
+              <a:t> tuning).   This is the function where your model gets trained.</a:t>
             </a:r>
             <a:endParaRPr dirty="0" smtClean="0"/>
           </a:p>
@@ -7912,8 +7889,32 @@
         </p:blipFill>
         <p:spPr>
           <a:xfrm>
-            <a:off x="1249870" y="3267155"/>
-            <a:ext cx="6097272" cy="2758532"/>
+            <a:off x="4911440" y="3402941"/>
+            <a:ext cx="3793648" cy="1716325"/>
+          </a:xfrm>
+          <a:prstGeom prst="rect">
+            <a:avLst/>
+          </a:prstGeom>
+        </p:spPr>
+      </p:pic>
+      <p:pic>
+        <p:nvPicPr>
+          <p:cNvPr id="3" name="Picture 2"/>
+          <p:cNvPicPr>
+            <a:picLocks noChangeAspect="1"/>
+          </p:cNvPicPr>
+          <p:nvPr/>
+        </p:nvPicPr>
+        <p:blipFill>
+          <a:blip r:embed="rId4"/>
+          <a:stretch>
+            <a:fillRect/>
+          </a:stretch>
+        </p:blipFill>
+        <p:spPr>
+          <a:xfrm>
+            <a:off x="511171" y="3337560"/>
+            <a:ext cx="4062336" cy="3376388"/>
           </a:xfrm>
           <a:prstGeom prst="rect">
             <a:avLst/>
@@ -8103,58 +8104,6 @@
           </a:p>
         </p:txBody>
       </p:sp>
-      <p:sp>
-        <p:nvSpPr>
-          <p:cNvPr id="3" name="Content Placeholder 2"/>
-          <p:cNvSpPr>
-            <a:spLocks noGrp="1"/>
-          </p:cNvSpPr>
-          <p:nvPr>
-            <p:ph idx="1"/>
-          </p:nvPr>
-        </p:nvSpPr>
-        <p:spPr>
-          <a:xfrm>
-            <a:off x="768096" y="2084832"/>
-            <a:ext cx="7626096" cy="4526280"/>
-          </a:xfrm>
-        </p:spPr>
-        <p:txBody>
-          <a:bodyPr>
-            <a:normAutofit/>
-          </a:bodyPr>
-          <a:lstStyle/>
-          <a:p>
-            <a:pPr marL="0" lvl="0" indent="0">
-              <a:buNone/>
-            </a:pPr>
-            <a:r>
-              <a:rPr dirty="0"/>
-              <a:t>The distribution of the response class in my dataset is unbalanced, which can affect the results of model training</a:t>
-            </a:r>
-            <a:r>
-              <a:rPr dirty="0" smtClean="0"/>
-              <a:t>.</a:t>
-            </a:r>
-            <a:endParaRPr lang="en-US" dirty="0" smtClean="0"/>
-          </a:p>
-          <a:p>
-            <a:pPr marL="0" lvl="0" indent="0">
-              <a:buNone/>
-            </a:pPr>
-            <a:r>
-              <a:rPr sz="1800" dirty="0">
-                <a:latin typeface="Courier"/>
-              </a:rPr>
-              <a:t>
-</a:t>
-            </a:r>
-            <a:endParaRPr sz="1400" dirty="0">
-              <a:latin typeface="Courier"/>
-            </a:endParaRPr>
-          </a:p>
-        </p:txBody>
-      </p:sp>
       <p:graphicFrame>
         <p:nvGraphicFramePr>
           <p:cNvPr id="6" name="Table 5"/>
@@ -8164,13 +8113,13 @@
           <p:nvPr>
             <p:extLst>
               <p:ext uri="{D42A27DB-BD31-4B8C-83A1-F6EECF244321}">
-                <p14:modId xmlns:p14="http://schemas.microsoft.com/office/powerpoint/2010/main" val="2002919534"/>
+                <p14:modId xmlns:p14="http://schemas.microsoft.com/office/powerpoint/2010/main" val="383486169"/>
               </p:ext>
             </p:extLst>
           </p:nvPr>
         </p:nvGraphicFramePr>
         <p:xfrm>
-          <a:off x="1365123" y="2775204"/>
+          <a:off x="1285113" y="2199132"/>
           <a:ext cx="6773037" cy="3567597"/>
         </p:xfrm>
         <a:graphic>
@@ -8413,7 +8362,7 @@
         </p:blipFill>
         <p:spPr>
           <a:xfrm>
-            <a:off x="1365123" y="5325999"/>
+            <a:off x="1285113" y="4850511"/>
             <a:ext cx="3943350" cy="562738"/>
           </a:xfrm>
           <a:prstGeom prst="rect">
@@ -8532,19 +8481,15 @@
             </a:r>
             <a:r>
               <a:rPr lang="en-US" dirty="0" smtClean="0"/>
-              <a:t>  </a:t>
+              <a:t>  Both results are </a:t>
             </a:r>
             <a:r>
               <a:rPr lang="en-US" dirty="0" smtClean="0"/>
-              <a:t>Both results are </a:t>
-            </a:r>
-            <a:r>
-              <a:rPr lang="en-US" dirty="0" err="1" smtClean="0"/>
-              <a:t>similiar</a:t>
+              <a:t>similar, </a:t>
             </a:r>
             <a:r>
               <a:rPr lang="en-US" dirty="0" smtClean="0"/>
-              <a:t>, but this example also shows us how we can use </a:t>
+              <a:t>but this example also shows us how we can use </a:t>
             </a:r>
             <a:r>
               <a:rPr lang="en-US" dirty="0" err="1" smtClean="0">
@@ -9644,11 +9589,7 @@
             </a:r>
             <a:r>
               <a:rPr lang="en-US" dirty="0" smtClean="0"/>
-              <a:t> and </a:t>
-            </a:r>
-            <a:r>
-              <a:rPr lang="en-US" dirty="0" smtClean="0"/>
-              <a:t>is an acronym </a:t>
+              <a:t> and is an acronym </a:t>
             </a:r>
             <a:r>
               <a:rPr dirty="0" smtClean="0"/>
@@ -9861,11 +9802,7 @@
             </a:r>
             <a:r>
               <a:rPr lang="en-US" dirty="0" smtClean="0"/>
-              <a:t>Compare the differences between some of the available </a:t>
-            </a:r>
-            <a:r>
-              <a:rPr lang="en-US" dirty="0" smtClean="0"/>
-              <a:t>inputs of </a:t>
+              <a:t>Compare the differences between some of the available inputs of </a:t>
             </a:r>
             <a:r>
               <a:rPr dirty="0" smtClean="0"/>
